--- a/21 Schema Notes/Internet of Things/Module 2/Module2 PPT.pptx
+++ b/21 Schema Notes/Internet of Things/Module 2/Module2 PPT.pptx
@@ -235,7 +235,7 @@
               <a:rPr lang="en-US" smtClean="0">
                 <a:latin typeface="Futura Cyrillic Book" panose="020B0502020204020303" charset="0"/>
               </a:rPr>
-              <a:t>10/10/2024</a:t>
+              <a:t>20-Oct-24</a:t>
             </a:fld>
             <a:endParaRPr lang="en-US">
               <a:latin typeface="Futura Cyrillic Book" panose="020B0502020204020303" charset="0"/>
@@ -412,7 +412,7 @@
           <a:p>
             <a:fld id="{0ECD8AD1-49EC-45F2-A2FF-1FE3195688C5}" type="datetimeFigureOut">
               <a:rPr lang="en-IN" smtClean="0"/>
-              <a:t>10-10-2024</a:t>
+              <a:t>20-10-2024</a:t>
             </a:fld>
             <a:endParaRPr lang="en-IN"/>
           </a:p>
@@ -813,7 +813,7 @@
           <a:p>
             <a:fld id="{4EF95999-A99C-46D6-BFDA-AEFA180EA74F}" type="datetimeFigureOut">
               <a:rPr lang="en-US" smtClean="0"/>
-              <a:t>10/10/2024</a:t>
+              <a:t>20-Oct-24</a:t>
             </a:fld>
             <a:endParaRPr lang="en-US"/>
           </a:p>
@@ -976,7 +976,7 @@
           <a:p>
             <a:fld id="{4EF95999-A99C-46D6-BFDA-AEFA180EA74F}" type="datetimeFigureOut">
               <a:rPr lang="en-US" smtClean="0"/>
-              <a:t>10/10/2024</a:t>
+              <a:t>20-Oct-24</a:t>
             </a:fld>
             <a:endParaRPr lang="en-US"/>
           </a:p>
@@ -1149,7 +1149,7 @@
           <a:p>
             <a:fld id="{4EF95999-A99C-46D6-BFDA-AEFA180EA74F}" type="datetimeFigureOut">
               <a:rPr lang="en-US" smtClean="0"/>
-              <a:t>10/10/2024</a:t>
+              <a:t>20-Oct-24</a:t>
             </a:fld>
             <a:endParaRPr lang="en-US"/>
           </a:p>
@@ -1318,7 +1318,7 @@
           <a:p>
             <a:fld id="{EC281ACE-890E-4B55-88CA-A440D73ED3A3}" type="datetimeFigureOut">
               <a:rPr lang="en-US" smtClean="0"/>
-              <a:t>10/10/2024</a:t>
+              <a:t>20-Oct-24</a:t>
             </a:fld>
             <a:endParaRPr lang="en-US"/>
           </a:p>
@@ -1534,7 +1534,7 @@
           <a:p>
             <a:fld id="{36B80835-DEB3-4275-B379-2566D87801AD}" type="datetimeFigureOut">
               <a:rPr lang="en-US" smtClean="0"/>
-              <a:t>10/10/2024</a:t>
+              <a:t>20-Oct-24</a:t>
             </a:fld>
             <a:endParaRPr lang="en-US"/>
           </a:p>
@@ -1697,7 +1697,7 @@
           <a:p>
             <a:fld id="{36B80835-DEB3-4275-B379-2566D87801AD}" type="datetimeFigureOut">
               <a:rPr lang="en-US" smtClean="0"/>
-              <a:t>10/10/2024</a:t>
+              <a:t>20-Oct-24</a:t>
             </a:fld>
             <a:endParaRPr lang="en-US"/>
           </a:p>
@@ -1937,7 +1937,7 @@
           <a:p>
             <a:fld id="{36B80835-DEB3-4275-B379-2566D87801AD}" type="datetimeFigureOut">
               <a:rPr lang="en-US" smtClean="0"/>
-              <a:t>10/10/2024</a:t>
+              <a:t>20-Oct-24</a:t>
             </a:fld>
             <a:endParaRPr lang="en-US"/>
           </a:p>
@@ -2161,7 +2161,7 @@
           <a:p>
             <a:fld id="{36B80835-DEB3-4275-B379-2566D87801AD}" type="datetimeFigureOut">
               <a:rPr lang="en-US" smtClean="0"/>
-              <a:t>10/10/2024</a:t>
+              <a:t>20-Oct-24</a:t>
             </a:fld>
             <a:endParaRPr lang="en-US"/>
           </a:p>
@@ -2520,7 +2520,7 @@
           <a:p>
             <a:fld id="{36B80835-DEB3-4275-B379-2566D87801AD}" type="datetimeFigureOut">
               <a:rPr lang="en-US" smtClean="0"/>
-              <a:t>10/10/2024</a:t>
+              <a:t>20-Oct-24</a:t>
             </a:fld>
             <a:endParaRPr lang="en-US"/>
           </a:p>
@@ -2632,7 +2632,7 @@
           <a:p>
             <a:fld id="{36B80835-DEB3-4275-B379-2566D87801AD}" type="datetimeFigureOut">
               <a:rPr lang="en-US" smtClean="0"/>
-              <a:t>10/10/2024</a:t>
+              <a:t>20-Oct-24</a:t>
             </a:fld>
             <a:endParaRPr lang="en-US"/>
           </a:p>
@@ -2722,7 +2722,7 @@
           <a:p>
             <a:fld id="{36B80835-DEB3-4275-B379-2566D87801AD}" type="datetimeFigureOut">
               <a:rPr lang="en-US" smtClean="0"/>
-              <a:t>10/10/2024</a:t>
+              <a:t>20-Oct-24</a:t>
             </a:fld>
             <a:endParaRPr lang="en-US"/>
           </a:p>
@@ -2885,7 +2885,7 @@
           <a:p>
             <a:fld id="{4EF95999-A99C-46D6-BFDA-AEFA180EA74F}" type="datetimeFigureOut">
               <a:rPr lang="en-US" smtClean="0"/>
-              <a:t>10/10/2024</a:t>
+              <a:t>20-Oct-24</a:t>
             </a:fld>
             <a:endParaRPr lang="en-US"/>
           </a:p>
@@ -3155,7 +3155,7 @@
           <a:p>
             <a:fld id="{36B80835-DEB3-4275-B379-2566D87801AD}" type="datetimeFigureOut">
               <a:rPr lang="en-US" smtClean="0"/>
-              <a:t>10/10/2024</a:t>
+              <a:t>20-Oct-24</a:t>
             </a:fld>
             <a:endParaRPr lang="en-US"/>
           </a:p>
@@ -3402,7 +3402,7 @@
           <a:p>
             <a:fld id="{36B80835-DEB3-4275-B379-2566D87801AD}" type="datetimeFigureOut">
               <a:rPr lang="en-US" smtClean="0"/>
-              <a:t>10/10/2024</a:t>
+              <a:t>20-Oct-24</a:t>
             </a:fld>
             <a:endParaRPr lang="en-US"/>
           </a:p>
@@ -3565,7 +3565,7 @@
           <a:p>
             <a:fld id="{36B80835-DEB3-4275-B379-2566D87801AD}" type="datetimeFigureOut">
               <a:rPr lang="en-US" smtClean="0"/>
-              <a:t>10/10/2024</a:t>
+              <a:t>20-Oct-24</a:t>
             </a:fld>
             <a:endParaRPr lang="en-US"/>
           </a:p>
@@ -3738,7 +3738,7 @@
           <a:p>
             <a:fld id="{36B80835-DEB3-4275-B379-2566D87801AD}" type="datetimeFigureOut">
               <a:rPr lang="en-US" smtClean="0"/>
-              <a:t>10/10/2024</a:t>
+              <a:t>20-Oct-24</a:t>
             </a:fld>
             <a:endParaRPr lang="en-US"/>
           </a:p>
@@ -3923,7 +3923,7 @@
           <a:p>
             <a:fld id="{4EF95999-A99C-46D6-BFDA-AEFA180EA74F}" type="datetimeFigureOut">
               <a:rPr lang="en-US" smtClean="0"/>
-              <a:t>10/10/2024</a:t>
+              <a:t>20-Oct-24</a:t>
             </a:fld>
             <a:endParaRPr lang="en-US"/>
           </a:p>
@@ -4086,7 +4086,7 @@
           <a:p>
             <a:fld id="{4EF95999-A99C-46D6-BFDA-AEFA180EA74F}" type="datetimeFigureOut">
               <a:rPr lang="en-US" smtClean="0"/>
-              <a:t>10/10/2024</a:t>
+              <a:t>20-Oct-24</a:t>
             </a:fld>
             <a:endParaRPr lang="en-US"/>
           </a:p>
@@ -4326,7 +4326,7 @@
           <a:p>
             <a:fld id="{4EF95999-A99C-46D6-BFDA-AEFA180EA74F}" type="datetimeFigureOut">
               <a:rPr lang="en-US" smtClean="0"/>
-              <a:t>10/10/2024</a:t>
+              <a:t>20-Oct-24</a:t>
             </a:fld>
             <a:endParaRPr lang="en-US"/>
           </a:p>
@@ -4550,7 +4550,7 @@
           <a:p>
             <a:fld id="{4EF95999-A99C-46D6-BFDA-AEFA180EA74F}" type="datetimeFigureOut">
               <a:rPr lang="en-US" smtClean="0"/>
-              <a:t>10/10/2024</a:t>
+              <a:t>20-Oct-24</a:t>
             </a:fld>
             <a:endParaRPr lang="en-US"/>
           </a:p>
@@ -4909,7 +4909,7 @@
           <a:p>
             <a:fld id="{4EF95999-A99C-46D6-BFDA-AEFA180EA74F}" type="datetimeFigureOut">
               <a:rPr lang="en-US" smtClean="0"/>
-              <a:t>10/10/2024</a:t>
+              <a:t>20-Oct-24</a:t>
             </a:fld>
             <a:endParaRPr lang="en-US"/>
           </a:p>
@@ -5021,7 +5021,7 @@
           <a:p>
             <a:fld id="{4EF95999-A99C-46D6-BFDA-AEFA180EA74F}" type="datetimeFigureOut">
               <a:rPr lang="en-US" smtClean="0"/>
-              <a:t>10/10/2024</a:t>
+              <a:t>20-Oct-24</a:t>
             </a:fld>
             <a:endParaRPr lang="en-US"/>
           </a:p>
@@ -5261,7 +5261,7 @@
           <a:p>
             <a:fld id="{4EF95999-A99C-46D6-BFDA-AEFA180EA74F}" type="datetimeFigureOut">
               <a:rPr lang="en-US" smtClean="0"/>
-              <a:t>10/10/2024</a:t>
+              <a:t>20-Oct-24</a:t>
             </a:fld>
             <a:endParaRPr lang="en-US"/>
           </a:p>
@@ -5351,7 +5351,7 @@
           <a:p>
             <a:fld id="{4EF95999-A99C-46D6-BFDA-AEFA180EA74F}" type="datetimeFigureOut">
               <a:rPr lang="en-US" smtClean="0"/>
-              <a:t>10/10/2024</a:t>
+              <a:t>20-Oct-24</a:t>
             </a:fld>
             <a:endParaRPr lang="en-US"/>
           </a:p>
@@ -5621,7 +5621,7 @@
           <a:p>
             <a:fld id="{4EF95999-A99C-46D6-BFDA-AEFA180EA74F}" type="datetimeFigureOut">
               <a:rPr lang="en-US" smtClean="0"/>
-              <a:t>10/10/2024</a:t>
+              <a:t>20-Oct-24</a:t>
             </a:fld>
             <a:endParaRPr lang="en-US"/>
           </a:p>
@@ -5868,7 +5868,7 @@
           <a:p>
             <a:fld id="{4EF95999-A99C-46D6-BFDA-AEFA180EA74F}" type="datetimeFigureOut">
               <a:rPr lang="en-US" smtClean="0"/>
-              <a:t>10/10/2024</a:t>
+              <a:t>20-Oct-24</a:t>
             </a:fld>
             <a:endParaRPr lang="en-US"/>
           </a:p>
@@ -6031,7 +6031,7 @@
           <a:p>
             <a:fld id="{4EF95999-A99C-46D6-BFDA-AEFA180EA74F}" type="datetimeFigureOut">
               <a:rPr lang="en-US" smtClean="0"/>
-              <a:t>10/10/2024</a:t>
+              <a:t>20-Oct-24</a:t>
             </a:fld>
             <a:endParaRPr lang="en-US"/>
           </a:p>
@@ -6204,7 +6204,7 @@
           <a:p>
             <a:fld id="{4EF95999-A99C-46D6-BFDA-AEFA180EA74F}" type="datetimeFigureOut">
               <a:rPr lang="en-US" smtClean="0"/>
-              <a:t>10/10/2024</a:t>
+              <a:t>20-Oct-24</a:t>
             </a:fld>
             <a:endParaRPr lang="en-US"/>
           </a:p>
@@ -6373,7 +6373,7 @@
           <a:p>
             <a:fld id="{EC281ACE-890E-4B55-88CA-A440D73ED3A3}" type="datetimeFigureOut">
               <a:rPr lang="en-US" smtClean="0"/>
-              <a:t>10/10/2024</a:t>
+              <a:t>20-Oct-24</a:t>
             </a:fld>
             <a:endParaRPr lang="en-US"/>
           </a:p>
@@ -6591,7 +6591,7 @@
           <a:p>
             <a:fld id="{4EF95999-A99C-46D6-BFDA-AEFA180EA74F}" type="datetimeFigureOut">
               <a:rPr lang="en-US" smtClean="0"/>
-              <a:t>10/10/2024</a:t>
+              <a:t>20-Oct-24</a:t>
             </a:fld>
             <a:endParaRPr lang="en-US"/>
           </a:p>
@@ -6761,7 +6761,7 @@
           <a:p>
             <a:fld id="{4EF95999-A99C-46D6-BFDA-AEFA180EA74F}" type="datetimeFigureOut">
               <a:rPr lang="en-US" smtClean="0"/>
-              <a:t>10/10/2024</a:t>
+              <a:t>20-Oct-24</a:t>
             </a:fld>
             <a:endParaRPr lang="en-US"/>
           </a:p>
@@ -7007,7 +7007,7 @@
           <a:p>
             <a:fld id="{4EF95999-A99C-46D6-BFDA-AEFA180EA74F}" type="datetimeFigureOut">
               <a:rPr lang="en-US" smtClean="0"/>
-              <a:t>10/10/2024</a:t>
+              <a:t>20-Oct-24</a:t>
             </a:fld>
             <a:endParaRPr lang="en-US"/>
           </a:p>
@@ -7239,7 +7239,7 @@
           <a:p>
             <a:fld id="{4EF95999-A99C-46D6-BFDA-AEFA180EA74F}" type="datetimeFigureOut">
               <a:rPr lang="en-US" smtClean="0"/>
-              <a:t>10/10/2024</a:t>
+              <a:t>20-Oct-24</a:t>
             </a:fld>
             <a:endParaRPr lang="en-US"/>
           </a:p>
@@ -7468,7 +7468,7 @@
           <a:p>
             <a:fld id="{4EF95999-A99C-46D6-BFDA-AEFA180EA74F}" type="datetimeFigureOut">
               <a:rPr lang="en-US" smtClean="0"/>
-              <a:t>10/10/2024</a:t>
+              <a:t>20-Oct-24</a:t>
             </a:fld>
             <a:endParaRPr lang="en-US"/>
           </a:p>
@@ -7830,7 +7830,7 @@
           <a:p>
             <a:fld id="{4EF95999-A99C-46D6-BFDA-AEFA180EA74F}" type="datetimeFigureOut">
               <a:rPr lang="en-US" smtClean="0"/>
-              <a:t>10/10/2024</a:t>
+              <a:t>20-Oct-24</a:t>
             </a:fld>
             <a:endParaRPr lang="en-US"/>
           </a:p>
@@ -7948,7 +7948,7 @@
           <a:p>
             <a:fld id="{4EF95999-A99C-46D6-BFDA-AEFA180EA74F}" type="datetimeFigureOut">
               <a:rPr lang="en-US" smtClean="0"/>
-              <a:t>10/10/2024</a:t>
+              <a:t>20-Oct-24</a:t>
             </a:fld>
             <a:endParaRPr lang="en-US"/>
           </a:p>
@@ -8043,7 +8043,7 @@
           <a:p>
             <a:fld id="{4EF95999-A99C-46D6-BFDA-AEFA180EA74F}" type="datetimeFigureOut">
               <a:rPr lang="en-US" smtClean="0"/>
-              <a:t>10/10/2024</a:t>
+              <a:t>20-Oct-24</a:t>
             </a:fld>
             <a:endParaRPr lang="en-US"/>
           </a:p>
@@ -8320,7 +8320,7 @@
           <a:p>
             <a:fld id="{4EF95999-A99C-46D6-BFDA-AEFA180EA74F}" type="datetimeFigureOut">
               <a:rPr lang="en-US" smtClean="0"/>
-              <a:t>10/10/2024</a:t>
+              <a:t>20-Oct-24</a:t>
             </a:fld>
             <a:endParaRPr lang="en-US"/>
           </a:p>
@@ -8577,7 +8577,7 @@
           <a:p>
             <a:fld id="{4EF95999-A99C-46D6-BFDA-AEFA180EA74F}" type="datetimeFigureOut">
               <a:rPr lang="en-US" smtClean="0"/>
-              <a:t>10/10/2024</a:t>
+              <a:t>20-Oct-24</a:t>
             </a:fld>
             <a:endParaRPr lang="en-US"/>
           </a:p>
@@ -8747,7 +8747,7 @@
           <a:p>
             <a:fld id="{4EF95999-A99C-46D6-BFDA-AEFA180EA74F}" type="datetimeFigureOut">
               <a:rPr lang="en-US" smtClean="0"/>
-              <a:t>10/10/2024</a:t>
+              <a:t>20-Oct-24</a:t>
             </a:fld>
             <a:endParaRPr lang="en-US"/>
           </a:p>
@@ -8927,7 +8927,7 @@
           <a:p>
             <a:fld id="{4EF95999-A99C-46D6-BFDA-AEFA180EA74F}" type="datetimeFigureOut">
               <a:rPr lang="en-US" smtClean="0"/>
-              <a:t>10/10/2024</a:t>
+              <a:t>20-Oct-24</a:t>
             </a:fld>
             <a:endParaRPr lang="en-US"/>
           </a:p>
@@ -9291,7 +9291,7 @@
           <a:p>
             <a:fld id="{4EF95999-A99C-46D6-BFDA-AEFA180EA74F}" type="datetimeFigureOut">
               <a:rPr lang="en-US" smtClean="0"/>
-              <a:t>10/10/2024</a:t>
+              <a:t>20-Oct-24</a:t>
             </a:fld>
             <a:endParaRPr lang="en-US"/>
           </a:p>
@@ -9403,7 +9403,7 @@
           <a:p>
             <a:fld id="{4EF95999-A99C-46D6-BFDA-AEFA180EA74F}" type="datetimeFigureOut">
               <a:rPr lang="en-US" smtClean="0"/>
-              <a:t>10/10/2024</a:t>
+              <a:t>20-Oct-24</a:t>
             </a:fld>
             <a:endParaRPr lang="en-US"/>
           </a:p>
@@ -9493,7 +9493,7 @@
           <a:p>
             <a:fld id="{4EF95999-A99C-46D6-BFDA-AEFA180EA74F}" type="datetimeFigureOut">
               <a:rPr lang="en-US" smtClean="0"/>
-              <a:t>10/10/2024</a:t>
+              <a:t>20-Oct-24</a:t>
             </a:fld>
             <a:endParaRPr lang="en-US"/>
           </a:p>
@@ -9763,7 +9763,7 @@
           <a:p>
             <a:fld id="{4EF95999-A99C-46D6-BFDA-AEFA180EA74F}" type="datetimeFigureOut">
               <a:rPr lang="en-US" smtClean="0"/>
-              <a:t>10/10/2024</a:t>
+              <a:t>20-Oct-24</a:t>
             </a:fld>
             <a:endParaRPr lang="en-US"/>
           </a:p>
@@ -10010,7 +10010,7 @@
           <a:p>
             <a:fld id="{4EF95999-A99C-46D6-BFDA-AEFA180EA74F}" type="datetimeFigureOut">
               <a:rPr lang="en-US" smtClean="0"/>
-              <a:t>10/10/2024</a:t>
+              <a:t>20-Oct-24</a:t>
             </a:fld>
             <a:endParaRPr lang="en-US"/>
           </a:p>
@@ -10217,7 +10217,7 @@
           <a:p>
             <a:fld id="{4EF95999-A99C-46D6-BFDA-AEFA180EA74F}" type="datetimeFigureOut">
               <a:rPr lang="en-US" smtClean="0"/>
-              <a:t>10/10/2024</a:t>
+              <a:t>20-Oct-24</a:t>
             </a:fld>
             <a:endParaRPr lang="en-US"/>
           </a:p>
@@ -10754,7 +10754,7 @@
           <a:p>
             <a:fld id="{36B80835-DEB3-4275-B379-2566D87801AD}" type="datetimeFigureOut">
               <a:rPr lang="en-US" smtClean="0"/>
-              <a:t>10/10/2024</a:t>
+              <a:t>20-Oct-24</a:t>
             </a:fld>
             <a:endParaRPr lang="en-US"/>
           </a:p>
@@ -11290,7 +11290,7 @@
           <a:p>
             <a:fld id="{4EF95999-A99C-46D6-BFDA-AEFA180EA74F}" type="datetimeFigureOut">
               <a:rPr lang="en-US" smtClean="0"/>
-              <a:t>10/10/2024</a:t>
+              <a:t>20-Oct-24</a:t>
             </a:fld>
             <a:endParaRPr lang="en-US"/>
           </a:p>
@@ -11828,7 +11828,7 @@
           <a:p>
             <a:fld id="{4EF95999-A99C-46D6-BFDA-AEFA180EA74F}" type="datetimeFigureOut">
               <a:rPr lang="en-US" smtClean="0"/>
-              <a:t>10/10/2024</a:t>
+              <a:t>20-Oct-24</a:t>
             </a:fld>
             <a:endParaRPr lang="en-US"/>
           </a:p>
@@ -12838,15 +12838,44 @@
             </a:r>
             <a:r>
               <a:rPr lang="en-US" dirty="0"/>
-              <a:t>: The </a:t>
-            </a:r>
-            <a:r>
-              <a:rPr lang="en-US" b="1" dirty="0"/>
+              <a:t>: </a:t>
+            </a:r>
+            <a:r>
+              <a:rPr lang="en-US" dirty="0">
+                <a:solidFill>
+                  <a:srgbClr val="FF0000"/>
+                </a:solidFill>
+                <a:highlight>
+                  <a:srgbClr val="FFFF00"/>
+                </a:highlight>
+              </a:rPr>
+              <a:t>The </a:t>
+            </a:r>
+            <a:r>
+              <a:rPr lang="en-US" b="1" dirty="0">
+                <a:solidFill>
+                  <a:srgbClr val="FF0000"/>
+                </a:solidFill>
+                <a:highlight>
+                  <a:srgbClr val="FFFF00"/>
+                </a:highlight>
+              </a:rPr>
               <a:t>smallest change in the measurable quantity </a:t>
             </a:r>
             <a:r>
+              <a:rPr lang="en-US" dirty="0">
+                <a:solidFill>
+                  <a:srgbClr val="FF0000"/>
+                </a:solidFill>
+                <a:highlight>
+                  <a:srgbClr val="FFFF00"/>
+                </a:highlight>
+              </a:rPr>
+              <a:t>that a sensor can detect is referred to as the resolution of a sensor. </a:t>
+            </a:r>
+            <a:r>
               <a:rPr lang="en-US" dirty="0"/>
-              <a:t>that a sensor can detect is referred to as the resolution of a sensor. For digital sensors, the smallest change in the digital output that the sensor is capable of quantifying is its sensor resolution. The more the resolution of a sensor, the more accurate is the precision. A sensor’s accuracy does not depend upon its resolution. For example, a temperature sensor A can detect up to 0.5 ◦ C changes in temperature; whereas another sensor B can detect up to 0.25◦ C changes in temperature. Therefore, the resolution of sensor B is higher than the resolution of sensor A</a:t>
+              <a:t>For digital sensors, the smallest change in the digital output that the sensor is capable of quantifying is its sensor resolution. The more the resolution of a sensor, the more accurate is the precision. A sensor’s accuracy does not depend upon its resolution. For example, a temperature sensor A can detect up to 0.5 ◦ C changes in temperature; whereas another sensor B can detect up to 0.25◦ C changes in temperature. Therefore, the resolution of sensor B is higher than the resolution of sensor A</a:t>
             </a:r>
             <a:endParaRPr lang="en-IN" dirty="0"/>
           </a:p>
@@ -12886,7 +12915,22 @@
             </a:r>
             <a:r>
               <a:rPr lang="en-US" dirty="0"/>
-              <a:t>: The accuracy of a sensor is the ability of that sensor to measure the environment of a system as close to its true measure as possible. For example, a weight sensor detects the weight of a 100 kg mass as 99.98 kg. We can say that this sensor is 99.98% accurate, with an error rate of ±0.02%</a:t>
+              <a:t>: </a:t>
+            </a:r>
+            <a:r>
+              <a:rPr lang="en-US" dirty="0">
+                <a:solidFill>
+                  <a:srgbClr val="FF0000"/>
+                </a:solidFill>
+                <a:highlight>
+                  <a:srgbClr val="FFFF00"/>
+                </a:highlight>
+              </a:rPr>
+              <a:t>The accuracy of a sensor is the ability of that sensor to measure the environment of a system as close to its true measure as possible. </a:t>
+            </a:r>
+            <a:r>
+              <a:rPr lang="en-US" dirty="0"/>
+              <a:t>For example, a weight sensor detects the weight of a 100 kg mass as 99.98 kg. We can say that this sensor is 99.98% accurate, with an error rate of ±0.02%</a:t>
             </a:r>
             <a:endParaRPr lang="en-IN" dirty="0"/>
           </a:p>
@@ -13267,7 +13311,14 @@
           <a:lstStyle/>
           <a:p>
             <a:r>
-              <a:rPr lang="en-US" dirty="0"/>
+              <a:rPr lang="en-US" dirty="0">
+                <a:solidFill>
+                  <a:srgbClr val="FF0000"/>
+                </a:solidFill>
+                <a:highlight>
+                  <a:srgbClr val="FFFF00"/>
+                </a:highlight>
+              </a:rPr>
               <a:t>An actuator can be considered as a machine or system’s component that can affect the movement or control the said mechanism or the system. </a:t>
             </a:r>
           </a:p>
@@ -16276,17 +16327,49 @@
           <a:p>
             <a:r>
               <a:rPr lang="en-US" dirty="0"/>
-              <a:t>A major chunk of IoT applications involves sensing in one form or the other. Almost all the applications in IoT—be it a consumer IoT, an industrial IoT, or just plain hobby-based deployments of IoT solutions—</a:t>
-            </a:r>
-            <a:r>
-              <a:rPr lang="en-US" b="1" dirty="0"/>
+              <a:t>A major chunk of IoT applications involves sensing in one form or the other. Almost all the applications in IoT—be it </a:t>
+            </a:r>
+            <a:r>
+              <a:rPr lang="en-US" dirty="0">
+                <a:solidFill>
+                  <a:srgbClr val="FF0000"/>
+                </a:solidFill>
+                <a:highlight>
+                  <a:srgbClr val="FFFF00"/>
+                </a:highlight>
+              </a:rPr>
+              <a:t>a consumer IoT, an industrial IoT, or just plain hobby-based deployments of IoT solutions—</a:t>
+            </a:r>
+            <a:r>
+              <a:rPr lang="en-US" b="1" dirty="0">
+                <a:solidFill>
+                  <a:srgbClr val="FF0000"/>
+                </a:solidFill>
+                <a:highlight>
+                  <a:srgbClr val="FFFF00"/>
+                </a:highlight>
+              </a:rPr>
               <a:t>sensing</a:t>
             </a:r>
             <a:r>
-              <a:rPr lang="en-US" dirty="0"/>
+              <a:rPr lang="en-US" dirty="0">
+                <a:solidFill>
+                  <a:srgbClr val="FF0000"/>
+                </a:solidFill>
+                <a:highlight>
+                  <a:srgbClr val="FFFF00"/>
+                </a:highlight>
+              </a:rPr>
               <a:t> forms the first step</a:t>
             </a:r>
-            <a:endParaRPr lang="en-IN" dirty="0"/>
+            <a:endParaRPr lang="en-IN" dirty="0">
+              <a:solidFill>
+                <a:srgbClr val="FF0000"/>
+              </a:solidFill>
+              <a:highlight>
+                <a:srgbClr val="FFFF00"/>
+              </a:highlight>
+            </a:endParaRPr>
           </a:p>
         </p:txBody>
       </p:sp>
@@ -16363,9 +16446,27 @@
             </a:r>
             <a:r>
               <a:rPr lang="en-US" dirty="0"/>
-              <a:t>. Transduction is the process of energy conversion from one form to another</a:t>
-            </a:r>
-            <a:endParaRPr lang="en-IN" dirty="0"/>
+              <a:t>. </a:t>
+            </a:r>
+            <a:r>
+              <a:rPr lang="en-US" dirty="0">
+                <a:solidFill>
+                  <a:srgbClr val="FF0000"/>
+                </a:solidFill>
+                <a:highlight>
+                  <a:srgbClr val="FFFF00"/>
+                </a:highlight>
+              </a:rPr>
+              <a:t>Transduction is the process of energy conversion from one form to another</a:t>
+            </a:r>
+            <a:endParaRPr lang="en-IN" dirty="0">
+              <a:solidFill>
+                <a:srgbClr val="FF0000"/>
+              </a:solidFill>
+              <a:highlight>
+                <a:srgbClr val="FFFF00"/>
+              </a:highlight>
+            </a:endParaRPr>
           </a:p>
         </p:txBody>
       </p:sp>
@@ -16415,9 +16516,27 @@
             </a:r>
             <a:r>
               <a:rPr lang="en-US" dirty="0"/>
-              <a:t>, which may be electrical, mechanical, chemical, light, sound, and others. Sensors and actuators are deemed as transducers</a:t>
-            </a:r>
-            <a:endParaRPr lang="en-IN" dirty="0"/>
+              <a:t>, which may be electrical, mechanical, chemical, light, sound, and others. </a:t>
+            </a:r>
+            <a:r>
+              <a:rPr lang="en-US" dirty="0">
+                <a:solidFill>
+                  <a:srgbClr val="FF0000"/>
+                </a:solidFill>
+                <a:highlight>
+                  <a:srgbClr val="FFFF00"/>
+                </a:highlight>
+              </a:rPr>
+              <a:t>Sensors and actuators are deemed as transducers</a:t>
+            </a:r>
+            <a:endParaRPr lang="en-IN" dirty="0">
+              <a:solidFill>
+                <a:srgbClr val="FF0000"/>
+              </a:solidFill>
+              <a:highlight>
+                <a:srgbClr val="FFFF00"/>
+              </a:highlight>
+            </a:endParaRPr>
           </a:p>
         </p:txBody>
       </p:sp>
@@ -17417,7 +17536,22 @@
             </a:r>
             <a:r>
               <a:rPr lang="en-US" dirty="0"/>
-              <a:t>: The way sensors operate decides the power requirements that must be provided for an IoT implementation. Some sensors need to be provided with separate power sources for them to function, whereas some sensors do not require any power sources. Depending on the requirements of power, sensors can be of two types. </a:t>
+              <a:t>: </a:t>
+            </a:r>
+            <a:r>
+              <a:rPr lang="en-US" dirty="0">
+                <a:solidFill>
+                  <a:srgbClr val="FF0000"/>
+                </a:solidFill>
+                <a:highlight>
+                  <a:srgbClr val="FFFF00"/>
+                </a:highlight>
+              </a:rPr>
+              <a:t>The way sensors operate decides the power requirements that must be provided for an IoT implementation</a:t>
+            </a:r>
+            <a:r>
+              <a:rPr lang="en-US" dirty="0"/>
+              <a:t>. Some sensors need to be provided with separate power sources for them to function, whereas some sensors do not require any power sources. Depending on the requirements of power, sensors can be of two types. </a:t>
             </a:r>
           </a:p>
           <a:p>
@@ -17433,7 +17567,22 @@
             </a:r>
             <a:r>
               <a:rPr lang="en-US" dirty="0"/>
-              <a:t>: Active sensors do not require an external circuitry or mechanism to provide it with power. It directly responds to the external stimuli from its ambient environment and converts it into an output signal. For example, a photodiode converts light into electrical impulses. </a:t>
+              <a:t>: Active sensors </a:t>
+            </a:r>
+            <a:r>
+              <a:rPr lang="en-US" dirty="0">
+                <a:solidFill>
+                  <a:srgbClr val="FF0000"/>
+                </a:solidFill>
+                <a:highlight>
+                  <a:srgbClr val="FFFF00"/>
+                </a:highlight>
+              </a:rPr>
+              <a:t>do not require an external circuitry or mechanism to provide it with power.</a:t>
+            </a:r>
+            <a:r>
+              <a:rPr lang="en-US" dirty="0"/>
+              <a:t> It directly responds to the external stimuli from its ambient environment and converts it into an output signal. For example, a photodiode converts light into electrical impulses. </a:t>
             </a:r>
           </a:p>
           <a:p>
@@ -17456,7 +17605,22 @@
             </a:r>
             <a:r>
               <a:rPr lang="en-US" dirty="0"/>
-              <a:t>: Passive sensors require an external mechanism to power them up. The sensed properties are modulated with the sensor’s inherent characteristics to generate patterns in the output of the sensor. For example, a thermistor’s resistance can be detected by applying voltage difference across it or passing a current through it.</a:t>
+              <a:t>: Passive sensors require an external mechanism to power them up. </a:t>
+            </a:r>
+            <a:r>
+              <a:rPr lang="en-US" dirty="0">
+                <a:solidFill>
+                  <a:srgbClr val="FF0000"/>
+                </a:solidFill>
+                <a:highlight>
+                  <a:srgbClr val="FFFF00"/>
+                </a:highlight>
+              </a:rPr>
+              <a:t>The sensed properties are modulated with the sensor’s inherent characteristics to generate patterns in the output of the sensor</a:t>
+            </a:r>
+            <a:r>
+              <a:rPr lang="en-US" dirty="0"/>
+              <a:t>. For example, a thermistor’s resistance can be detected by applying voltage difference across it or passing a current through it.</a:t>
             </a:r>
             <a:endParaRPr lang="en-IN" dirty="0"/>
           </a:p>
@@ -17767,7 +17931,22 @@
             </a:r>
             <a:r>
               <a:rPr lang="en-US" dirty="0"/>
-              <a:t>: The output of a sensor helps in deciding the additional components to be integrated with an IoT node or system. Typically, almost all modern-day processors are digital; digital sensors can be directly integrated to the processors</a:t>
+              <a:t>: The output of a sensor </a:t>
+            </a:r>
+            <a:r>
+              <a:rPr lang="en-US" dirty="0">
+                <a:solidFill>
+                  <a:srgbClr val="FF0000"/>
+                </a:solidFill>
+                <a:highlight>
+                  <a:srgbClr val="FFFF00"/>
+                </a:highlight>
+              </a:rPr>
+              <a:t>helps in deciding the additional components to be integrated with an IoT node or system.</a:t>
+            </a:r>
+            <a:r>
+              <a:rPr lang="en-US" dirty="0"/>
+              <a:t> Typically, almost all modern-day processors are digital; digital sensors can be directly integrated to the processors</a:t>
             </a:r>
             <a:endParaRPr lang="en-IN" dirty="0"/>
           </a:p>
@@ -17810,7 +17989,22 @@
             </a:r>
             <a:r>
               <a:rPr lang="en-US" dirty="0"/>
-              <a:t>: Analog sensors generate an output signal or voltage, which is proportional (linearly or non-linearly) to the quantity being measured and is continuous in time and amplitude. Physical quantities such as temperature, speed, pressure, displacement, strain, and others are all continuous and categorized as analog quantities. For example, a thermometer or a thermocouple can be used for measuring the temperature of a liquid (e.g., in household water heaters). These sensors continuously respond to changes in the temperature of the liquid. </a:t>
+              <a:t>: </a:t>
+            </a:r>
+            <a:r>
+              <a:rPr lang="en-US" dirty="0">
+                <a:solidFill>
+                  <a:srgbClr val="FF0000"/>
+                </a:solidFill>
+                <a:highlight>
+                  <a:srgbClr val="FFFF00"/>
+                </a:highlight>
+              </a:rPr>
+              <a:t>Analog sensors generate an output signal or voltage, which is proportional (linearly or non-linearly) to the quantity being measured and is continuous in time and amplitude</a:t>
+            </a:r>
+            <a:r>
+              <a:rPr lang="en-US" dirty="0"/>
+              <a:t>. Physical quantities such as temperature, speed, pressure, displacement, strain, and others are all continuous and categorized as analog quantities. For example, a thermometer or a thermocouple can be used for measuring the temperature of a liquid (e.g., in household water heaters). These sensors continuously respond to changes in the temperature of the liquid. </a:t>
             </a:r>
           </a:p>
           <a:p>
@@ -17827,7 +18021,22 @@
             </a:r>
             <a:r>
               <a:rPr lang="en-US" dirty="0"/>
-              <a:t>: These sensors generate the output of discrete time digital representation (time, or amplitude, or both) of a quantity being measured, in the form of output signals or voltages. Typically, binary output signals in the form of a logic 1 or a logic 0 for ON or OFF, respectively are associated with digital sensors. The generated discrete (non-continuous) values may be output as a single “bit” (serial transmission), eight of which combine to produce a single “byte” output (parallel transmission) in digital sensors.</a:t>
+              <a:t>: </a:t>
+            </a:r>
+            <a:r>
+              <a:rPr lang="en-US" dirty="0">
+                <a:solidFill>
+                  <a:srgbClr val="FF0000"/>
+                </a:solidFill>
+                <a:highlight>
+                  <a:srgbClr val="FFFF00"/>
+                </a:highlight>
+              </a:rPr>
+              <a:t>These sensors generate the output of discrete time digital representation (time, or amplitude, or both) of a quantity being measured, in the form of output signals or voltages. Typically, binary output signals in the form of a logic 1 or a logic 0 for ON or OFF, respectively are associated with digital sensors. </a:t>
+            </a:r>
+            <a:r>
+              <a:rPr lang="en-US" dirty="0"/>
+              <a:t>The generated discrete (non-continuous) values may be output as a single “bit” (serial transmission), eight of which combine to produce a single “byte” output (parallel transmission) in digital sensors.</a:t>
             </a:r>
             <a:endParaRPr lang="en-IN" dirty="0"/>
           </a:p>

--- a/21 Schema Notes/Internet of Things/Module 2/Module2 PPT.pptx
+++ b/21 Schema Notes/Internet of Things/Module 2/Module2 PPT.pptx
@@ -235,7 +235,7 @@
               <a:rPr lang="en-US" smtClean="0">
                 <a:latin typeface="Futura Cyrillic Book" panose="020B0502020204020303" charset="0"/>
               </a:rPr>
-              <a:t>20-Oct-24</a:t>
+              <a:t>23-Oct-24</a:t>
             </a:fld>
             <a:endParaRPr lang="en-US">
               <a:latin typeface="Futura Cyrillic Book" panose="020B0502020204020303" charset="0"/>
@@ -412,7 +412,7 @@
           <a:p>
             <a:fld id="{0ECD8AD1-49EC-45F2-A2FF-1FE3195688C5}" type="datetimeFigureOut">
               <a:rPr lang="en-IN" smtClean="0"/>
-              <a:t>20-10-2024</a:t>
+              <a:t>23-10-2024</a:t>
             </a:fld>
             <a:endParaRPr lang="en-IN"/>
           </a:p>
@@ -813,7 +813,7 @@
           <a:p>
             <a:fld id="{4EF95999-A99C-46D6-BFDA-AEFA180EA74F}" type="datetimeFigureOut">
               <a:rPr lang="en-US" smtClean="0"/>
-              <a:t>20-Oct-24</a:t>
+              <a:t>23-Oct-24</a:t>
             </a:fld>
             <a:endParaRPr lang="en-US"/>
           </a:p>
@@ -976,7 +976,7 @@
           <a:p>
             <a:fld id="{4EF95999-A99C-46D6-BFDA-AEFA180EA74F}" type="datetimeFigureOut">
               <a:rPr lang="en-US" smtClean="0"/>
-              <a:t>20-Oct-24</a:t>
+              <a:t>23-Oct-24</a:t>
             </a:fld>
             <a:endParaRPr lang="en-US"/>
           </a:p>
@@ -1149,7 +1149,7 @@
           <a:p>
             <a:fld id="{4EF95999-A99C-46D6-BFDA-AEFA180EA74F}" type="datetimeFigureOut">
               <a:rPr lang="en-US" smtClean="0"/>
-              <a:t>20-Oct-24</a:t>
+              <a:t>23-Oct-24</a:t>
             </a:fld>
             <a:endParaRPr lang="en-US"/>
           </a:p>
@@ -1318,7 +1318,7 @@
           <a:p>
             <a:fld id="{EC281ACE-890E-4B55-88CA-A440D73ED3A3}" type="datetimeFigureOut">
               <a:rPr lang="en-US" smtClean="0"/>
-              <a:t>20-Oct-24</a:t>
+              <a:t>23-Oct-24</a:t>
             </a:fld>
             <a:endParaRPr lang="en-US"/>
           </a:p>
@@ -1534,7 +1534,7 @@
           <a:p>
             <a:fld id="{36B80835-DEB3-4275-B379-2566D87801AD}" type="datetimeFigureOut">
               <a:rPr lang="en-US" smtClean="0"/>
-              <a:t>20-Oct-24</a:t>
+              <a:t>23-Oct-24</a:t>
             </a:fld>
             <a:endParaRPr lang="en-US"/>
           </a:p>
@@ -1697,7 +1697,7 @@
           <a:p>
             <a:fld id="{36B80835-DEB3-4275-B379-2566D87801AD}" type="datetimeFigureOut">
               <a:rPr lang="en-US" smtClean="0"/>
-              <a:t>20-Oct-24</a:t>
+              <a:t>23-Oct-24</a:t>
             </a:fld>
             <a:endParaRPr lang="en-US"/>
           </a:p>
@@ -1937,7 +1937,7 @@
           <a:p>
             <a:fld id="{36B80835-DEB3-4275-B379-2566D87801AD}" type="datetimeFigureOut">
               <a:rPr lang="en-US" smtClean="0"/>
-              <a:t>20-Oct-24</a:t>
+              <a:t>23-Oct-24</a:t>
             </a:fld>
             <a:endParaRPr lang="en-US"/>
           </a:p>
@@ -2161,7 +2161,7 @@
           <a:p>
             <a:fld id="{36B80835-DEB3-4275-B379-2566D87801AD}" type="datetimeFigureOut">
               <a:rPr lang="en-US" smtClean="0"/>
-              <a:t>20-Oct-24</a:t>
+              <a:t>23-Oct-24</a:t>
             </a:fld>
             <a:endParaRPr lang="en-US"/>
           </a:p>
@@ -2520,7 +2520,7 @@
           <a:p>
             <a:fld id="{36B80835-DEB3-4275-B379-2566D87801AD}" type="datetimeFigureOut">
               <a:rPr lang="en-US" smtClean="0"/>
-              <a:t>20-Oct-24</a:t>
+              <a:t>23-Oct-24</a:t>
             </a:fld>
             <a:endParaRPr lang="en-US"/>
           </a:p>
@@ -2632,7 +2632,7 @@
           <a:p>
             <a:fld id="{36B80835-DEB3-4275-B379-2566D87801AD}" type="datetimeFigureOut">
               <a:rPr lang="en-US" smtClean="0"/>
-              <a:t>20-Oct-24</a:t>
+              <a:t>23-Oct-24</a:t>
             </a:fld>
             <a:endParaRPr lang="en-US"/>
           </a:p>
@@ -2722,7 +2722,7 @@
           <a:p>
             <a:fld id="{36B80835-DEB3-4275-B379-2566D87801AD}" type="datetimeFigureOut">
               <a:rPr lang="en-US" smtClean="0"/>
-              <a:t>20-Oct-24</a:t>
+              <a:t>23-Oct-24</a:t>
             </a:fld>
             <a:endParaRPr lang="en-US"/>
           </a:p>
@@ -2885,7 +2885,7 @@
           <a:p>
             <a:fld id="{4EF95999-A99C-46D6-BFDA-AEFA180EA74F}" type="datetimeFigureOut">
               <a:rPr lang="en-US" smtClean="0"/>
-              <a:t>20-Oct-24</a:t>
+              <a:t>23-Oct-24</a:t>
             </a:fld>
             <a:endParaRPr lang="en-US"/>
           </a:p>
@@ -3155,7 +3155,7 @@
           <a:p>
             <a:fld id="{36B80835-DEB3-4275-B379-2566D87801AD}" type="datetimeFigureOut">
               <a:rPr lang="en-US" smtClean="0"/>
-              <a:t>20-Oct-24</a:t>
+              <a:t>23-Oct-24</a:t>
             </a:fld>
             <a:endParaRPr lang="en-US"/>
           </a:p>
@@ -3402,7 +3402,7 @@
           <a:p>
             <a:fld id="{36B80835-DEB3-4275-B379-2566D87801AD}" type="datetimeFigureOut">
               <a:rPr lang="en-US" smtClean="0"/>
-              <a:t>20-Oct-24</a:t>
+              <a:t>23-Oct-24</a:t>
             </a:fld>
             <a:endParaRPr lang="en-US"/>
           </a:p>
@@ -3565,7 +3565,7 @@
           <a:p>
             <a:fld id="{36B80835-DEB3-4275-B379-2566D87801AD}" type="datetimeFigureOut">
               <a:rPr lang="en-US" smtClean="0"/>
-              <a:t>20-Oct-24</a:t>
+              <a:t>23-Oct-24</a:t>
             </a:fld>
             <a:endParaRPr lang="en-US"/>
           </a:p>
@@ -3738,7 +3738,7 @@
           <a:p>
             <a:fld id="{36B80835-DEB3-4275-B379-2566D87801AD}" type="datetimeFigureOut">
               <a:rPr lang="en-US" smtClean="0"/>
-              <a:t>20-Oct-24</a:t>
+              <a:t>23-Oct-24</a:t>
             </a:fld>
             <a:endParaRPr lang="en-US"/>
           </a:p>
@@ -3923,7 +3923,7 @@
           <a:p>
             <a:fld id="{4EF95999-A99C-46D6-BFDA-AEFA180EA74F}" type="datetimeFigureOut">
               <a:rPr lang="en-US" smtClean="0"/>
-              <a:t>20-Oct-24</a:t>
+              <a:t>23-Oct-24</a:t>
             </a:fld>
             <a:endParaRPr lang="en-US"/>
           </a:p>
@@ -4086,7 +4086,7 @@
           <a:p>
             <a:fld id="{4EF95999-A99C-46D6-BFDA-AEFA180EA74F}" type="datetimeFigureOut">
               <a:rPr lang="en-US" smtClean="0"/>
-              <a:t>20-Oct-24</a:t>
+              <a:t>23-Oct-24</a:t>
             </a:fld>
             <a:endParaRPr lang="en-US"/>
           </a:p>
@@ -4326,7 +4326,7 @@
           <a:p>
             <a:fld id="{4EF95999-A99C-46D6-BFDA-AEFA180EA74F}" type="datetimeFigureOut">
               <a:rPr lang="en-US" smtClean="0"/>
-              <a:t>20-Oct-24</a:t>
+              <a:t>23-Oct-24</a:t>
             </a:fld>
             <a:endParaRPr lang="en-US"/>
           </a:p>
@@ -4550,7 +4550,7 @@
           <a:p>
             <a:fld id="{4EF95999-A99C-46D6-BFDA-AEFA180EA74F}" type="datetimeFigureOut">
               <a:rPr lang="en-US" smtClean="0"/>
-              <a:t>20-Oct-24</a:t>
+              <a:t>23-Oct-24</a:t>
             </a:fld>
             <a:endParaRPr lang="en-US"/>
           </a:p>
@@ -4909,7 +4909,7 @@
           <a:p>
             <a:fld id="{4EF95999-A99C-46D6-BFDA-AEFA180EA74F}" type="datetimeFigureOut">
               <a:rPr lang="en-US" smtClean="0"/>
-              <a:t>20-Oct-24</a:t>
+              <a:t>23-Oct-24</a:t>
             </a:fld>
             <a:endParaRPr lang="en-US"/>
           </a:p>
@@ -5021,7 +5021,7 @@
           <a:p>
             <a:fld id="{4EF95999-A99C-46D6-BFDA-AEFA180EA74F}" type="datetimeFigureOut">
               <a:rPr lang="en-US" smtClean="0"/>
-              <a:t>20-Oct-24</a:t>
+              <a:t>23-Oct-24</a:t>
             </a:fld>
             <a:endParaRPr lang="en-US"/>
           </a:p>
@@ -5261,7 +5261,7 @@
           <a:p>
             <a:fld id="{4EF95999-A99C-46D6-BFDA-AEFA180EA74F}" type="datetimeFigureOut">
               <a:rPr lang="en-US" smtClean="0"/>
-              <a:t>20-Oct-24</a:t>
+              <a:t>23-Oct-24</a:t>
             </a:fld>
             <a:endParaRPr lang="en-US"/>
           </a:p>
@@ -5351,7 +5351,7 @@
           <a:p>
             <a:fld id="{4EF95999-A99C-46D6-BFDA-AEFA180EA74F}" type="datetimeFigureOut">
               <a:rPr lang="en-US" smtClean="0"/>
-              <a:t>20-Oct-24</a:t>
+              <a:t>23-Oct-24</a:t>
             </a:fld>
             <a:endParaRPr lang="en-US"/>
           </a:p>
@@ -5621,7 +5621,7 @@
           <a:p>
             <a:fld id="{4EF95999-A99C-46D6-BFDA-AEFA180EA74F}" type="datetimeFigureOut">
               <a:rPr lang="en-US" smtClean="0"/>
-              <a:t>20-Oct-24</a:t>
+              <a:t>23-Oct-24</a:t>
             </a:fld>
             <a:endParaRPr lang="en-US"/>
           </a:p>
@@ -5868,7 +5868,7 @@
           <a:p>
             <a:fld id="{4EF95999-A99C-46D6-BFDA-AEFA180EA74F}" type="datetimeFigureOut">
               <a:rPr lang="en-US" smtClean="0"/>
-              <a:t>20-Oct-24</a:t>
+              <a:t>23-Oct-24</a:t>
             </a:fld>
             <a:endParaRPr lang="en-US"/>
           </a:p>
@@ -6031,7 +6031,7 @@
           <a:p>
             <a:fld id="{4EF95999-A99C-46D6-BFDA-AEFA180EA74F}" type="datetimeFigureOut">
               <a:rPr lang="en-US" smtClean="0"/>
-              <a:t>20-Oct-24</a:t>
+              <a:t>23-Oct-24</a:t>
             </a:fld>
             <a:endParaRPr lang="en-US"/>
           </a:p>
@@ -6204,7 +6204,7 @@
           <a:p>
             <a:fld id="{4EF95999-A99C-46D6-BFDA-AEFA180EA74F}" type="datetimeFigureOut">
               <a:rPr lang="en-US" smtClean="0"/>
-              <a:t>20-Oct-24</a:t>
+              <a:t>23-Oct-24</a:t>
             </a:fld>
             <a:endParaRPr lang="en-US"/>
           </a:p>
@@ -6373,7 +6373,7 @@
           <a:p>
             <a:fld id="{EC281ACE-890E-4B55-88CA-A440D73ED3A3}" type="datetimeFigureOut">
               <a:rPr lang="en-US" smtClean="0"/>
-              <a:t>20-Oct-24</a:t>
+              <a:t>23-Oct-24</a:t>
             </a:fld>
             <a:endParaRPr lang="en-US"/>
           </a:p>
@@ -6591,7 +6591,7 @@
           <a:p>
             <a:fld id="{4EF95999-A99C-46D6-BFDA-AEFA180EA74F}" type="datetimeFigureOut">
               <a:rPr lang="en-US" smtClean="0"/>
-              <a:t>20-Oct-24</a:t>
+              <a:t>23-Oct-24</a:t>
             </a:fld>
             <a:endParaRPr lang="en-US"/>
           </a:p>
@@ -6761,7 +6761,7 @@
           <a:p>
             <a:fld id="{4EF95999-A99C-46D6-BFDA-AEFA180EA74F}" type="datetimeFigureOut">
               <a:rPr lang="en-US" smtClean="0"/>
-              <a:t>20-Oct-24</a:t>
+              <a:t>23-Oct-24</a:t>
             </a:fld>
             <a:endParaRPr lang="en-US"/>
           </a:p>
@@ -7007,7 +7007,7 @@
           <a:p>
             <a:fld id="{4EF95999-A99C-46D6-BFDA-AEFA180EA74F}" type="datetimeFigureOut">
               <a:rPr lang="en-US" smtClean="0"/>
-              <a:t>20-Oct-24</a:t>
+              <a:t>23-Oct-24</a:t>
             </a:fld>
             <a:endParaRPr lang="en-US"/>
           </a:p>
@@ -7239,7 +7239,7 @@
           <a:p>
             <a:fld id="{4EF95999-A99C-46D6-BFDA-AEFA180EA74F}" type="datetimeFigureOut">
               <a:rPr lang="en-US" smtClean="0"/>
-              <a:t>20-Oct-24</a:t>
+              <a:t>23-Oct-24</a:t>
             </a:fld>
             <a:endParaRPr lang="en-US"/>
           </a:p>
@@ -7468,7 +7468,7 @@
           <a:p>
             <a:fld id="{4EF95999-A99C-46D6-BFDA-AEFA180EA74F}" type="datetimeFigureOut">
               <a:rPr lang="en-US" smtClean="0"/>
-              <a:t>20-Oct-24</a:t>
+              <a:t>23-Oct-24</a:t>
             </a:fld>
             <a:endParaRPr lang="en-US"/>
           </a:p>
@@ -7830,7 +7830,7 @@
           <a:p>
             <a:fld id="{4EF95999-A99C-46D6-BFDA-AEFA180EA74F}" type="datetimeFigureOut">
               <a:rPr lang="en-US" smtClean="0"/>
-              <a:t>20-Oct-24</a:t>
+              <a:t>23-Oct-24</a:t>
             </a:fld>
             <a:endParaRPr lang="en-US"/>
           </a:p>
@@ -7948,7 +7948,7 @@
           <a:p>
             <a:fld id="{4EF95999-A99C-46D6-BFDA-AEFA180EA74F}" type="datetimeFigureOut">
               <a:rPr lang="en-US" smtClean="0"/>
-              <a:t>20-Oct-24</a:t>
+              <a:t>23-Oct-24</a:t>
             </a:fld>
             <a:endParaRPr lang="en-US"/>
           </a:p>
@@ -8043,7 +8043,7 @@
           <a:p>
             <a:fld id="{4EF95999-A99C-46D6-BFDA-AEFA180EA74F}" type="datetimeFigureOut">
               <a:rPr lang="en-US" smtClean="0"/>
-              <a:t>20-Oct-24</a:t>
+              <a:t>23-Oct-24</a:t>
             </a:fld>
             <a:endParaRPr lang="en-US"/>
           </a:p>
@@ -8320,7 +8320,7 @@
           <a:p>
             <a:fld id="{4EF95999-A99C-46D6-BFDA-AEFA180EA74F}" type="datetimeFigureOut">
               <a:rPr lang="en-US" smtClean="0"/>
-              <a:t>20-Oct-24</a:t>
+              <a:t>23-Oct-24</a:t>
             </a:fld>
             <a:endParaRPr lang="en-US"/>
           </a:p>
@@ -8577,7 +8577,7 @@
           <a:p>
             <a:fld id="{4EF95999-A99C-46D6-BFDA-AEFA180EA74F}" type="datetimeFigureOut">
               <a:rPr lang="en-US" smtClean="0"/>
-              <a:t>20-Oct-24</a:t>
+              <a:t>23-Oct-24</a:t>
             </a:fld>
             <a:endParaRPr lang="en-US"/>
           </a:p>
@@ -8747,7 +8747,7 @@
           <a:p>
             <a:fld id="{4EF95999-A99C-46D6-BFDA-AEFA180EA74F}" type="datetimeFigureOut">
               <a:rPr lang="en-US" smtClean="0"/>
-              <a:t>20-Oct-24</a:t>
+              <a:t>23-Oct-24</a:t>
             </a:fld>
             <a:endParaRPr lang="en-US"/>
           </a:p>
@@ -8927,7 +8927,7 @@
           <a:p>
             <a:fld id="{4EF95999-A99C-46D6-BFDA-AEFA180EA74F}" type="datetimeFigureOut">
               <a:rPr lang="en-US" smtClean="0"/>
-              <a:t>20-Oct-24</a:t>
+              <a:t>23-Oct-24</a:t>
             </a:fld>
             <a:endParaRPr lang="en-US"/>
           </a:p>
@@ -9291,7 +9291,7 @@
           <a:p>
             <a:fld id="{4EF95999-A99C-46D6-BFDA-AEFA180EA74F}" type="datetimeFigureOut">
               <a:rPr lang="en-US" smtClean="0"/>
-              <a:t>20-Oct-24</a:t>
+              <a:t>23-Oct-24</a:t>
             </a:fld>
             <a:endParaRPr lang="en-US"/>
           </a:p>
@@ -9403,7 +9403,7 @@
           <a:p>
             <a:fld id="{4EF95999-A99C-46D6-BFDA-AEFA180EA74F}" type="datetimeFigureOut">
               <a:rPr lang="en-US" smtClean="0"/>
-              <a:t>20-Oct-24</a:t>
+              <a:t>23-Oct-24</a:t>
             </a:fld>
             <a:endParaRPr lang="en-US"/>
           </a:p>
@@ -9493,7 +9493,7 @@
           <a:p>
             <a:fld id="{4EF95999-A99C-46D6-BFDA-AEFA180EA74F}" type="datetimeFigureOut">
               <a:rPr lang="en-US" smtClean="0"/>
-              <a:t>20-Oct-24</a:t>
+              <a:t>23-Oct-24</a:t>
             </a:fld>
             <a:endParaRPr lang="en-US"/>
           </a:p>
@@ -9763,7 +9763,7 @@
           <a:p>
             <a:fld id="{4EF95999-A99C-46D6-BFDA-AEFA180EA74F}" type="datetimeFigureOut">
               <a:rPr lang="en-US" smtClean="0"/>
-              <a:t>20-Oct-24</a:t>
+              <a:t>23-Oct-24</a:t>
             </a:fld>
             <a:endParaRPr lang="en-US"/>
           </a:p>
@@ -10010,7 +10010,7 @@
           <a:p>
             <a:fld id="{4EF95999-A99C-46D6-BFDA-AEFA180EA74F}" type="datetimeFigureOut">
               <a:rPr lang="en-US" smtClean="0"/>
-              <a:t>20-Oct-24</a:t>
+              <a:t>23-Oct-24</a:t>
             </a:fld>
             <a:endParaRPr lang="en-US"/>
           </a:p>
@@ -10217,7 +10217,7 @@
           <a:p>
             <a:fld id="{4EF95999-A99C-46D6-BFDA-AEFA180EA74F}" type="datetimeFigureOut">
               <a:rPr lang="en-US" smtClean="0"/>
-              <a:t>20-Oct-24</a:t>
+              <a:t>23-Oct-24</a:t>
             </a:fld>
             <a:endParaRPr lang="en-US"/>
           </a:p>
@@ -10754,7 +10754,7 @@
           <a:p>
             <a:fld id="{36B80835-DEB3-4275-B379-2566D87801AD}" type="datetimeFigureOut">
               <a:rPr lang="en-US" smtClean="0"/>
-              <a:t>20-Oct-24</a:t>
+              <a:t>23-Oct-24</a:t>
             </a:fld>
             <a:endParaRPr lang="en-US"/>
           </a:p>
@@ -11290,7 +11290,7 @@
           <a:p>
             <a:fld id="{4EF95999-A99C-46D6-BFDA-AEFA180EA74F}" type="datetimeFigureOut">
               <a:rPr lang="en-US" smtClean="0"/>
-              <a:t>20-Oct-24</a:t>
+              <a:t>23-Oct-24</a:t>
             </a:fld>
             <a:endParaRPr lang="en-US"/>
           </a:p>
@@ -11828,7 +11828,7 @@
           <a:p>
             <a:fld id="{4EF95999-A99C-46D6-BFDA-AEFA180EA74F}" type="datetimeFigureOut">
               <a:rPr lang="en-US" smtClean="0"/>
-              <a:t>20-Oct-24</a:t>
+              <a:t>23-Oct-24</a:t>
             </a:fld>
             <a:endParaRPr lang="en-US"/>
           </a:p>
@@ -14491,7 +14491,22 @@
           <a:p>
             <a:r>
               <a:rPr lang="en-US" dirty="0"/>
-              <a:t> Typically, electric motors are used to power an electric actuator by generating mechanical torque. This generated torque is translated into the motion of a motor’s shaft or for switching (as in relays). For example, actuating </a:t>
+              <a:t> Typically, </a:t>
+            </a:r>
+            <a:r>
+              <a:rPr lang="en-US" dirty="0">
+                <a:solidFill>
+                  <a:srgbClr val="FF0000"/>
+                </a:solidFill>
+                <a:highlight>
+                  <a:srgbClr val="FFFF00"/>
+                </a:highlight>
+              </a:rPr>
+              <a:t>electric motors are used to power an electric actuator by generating mechanical torque</a:t>
+            </a:r>
+            <a:r>
+              <a:rPr lang="en-US" dirty="0"/>
+              <a:t>. This generated torque is translated into the motion of a motor’s shaft or for switching (as in relays). For example, actuating </a:t>
             </a:r>
             <a:r>
               <a:rPr lang="en-US" dirty="0" err="1"/>
@@ -15196,7 +15211,22 @@
           <a:p>
             <a:r>
               <a:rPr lang="en-US" dirty="0"/>
-              <a:t> In mechanical actuation, the rotary motion of the actuator is converted into linear motion to execute some movement. The use of gears, rails, pulleys, chains, and other devices are necessary for these actuators to operate. These actuators can be easily used in conjunction with pneumatic, hydraulic, or electrical actuators</a:t>
+              <a:t> In mechanical actuation, </a:t>
+            </a:r>
+            <a:r>
+              <a:rPr lang="en-US" dirty="0">
+                <a:solidFill>
+                  <a:srgbClr val="FF0000"/>
+                </a:solidFill>
+                <a:highlight>
+                  <a:srgbClr val="FFFF00"/>
+                </a:highlight>
+              </a:rPr>
+              <a:t>the rotary motion of the actuator is converted into linear motion to execute some movement. </a:t>
+            </a:r>
+            <a:r>
+              <a:rPr lang="en-US" dirty="0"/>
+              <a:t>The use of gears, rails, pulleys, chains, and other devices are necessary for these actuators to operate. These actuators can be easily used in conjunction with pneumatic, hydraulic, or electrical actuators</a:t>
             </a:r>
             <a:endParaRPr lang="en-IN" dirty="0"/>
           </a:p>
@@ -17582,7 +17612,21 @@
             </a:r>
             <a:r>
               <a:rPr lang="en-US" dirty="0"/>
-              <a:t> It directly responds to the external stimuli from its ambient environment and converts it into an output signal. For example, a photodiode converts light into electrical impulses. </a:t>
+              <a:t> It </a:t>
+            </a:r>
+            <a:r>
+              <a:rPr lang="en-US" dirty="0">
+                <a:solidFill>
+                  <a:schemeClr val="accent6">
+                    <a:lumMod val="50000"/>
+                  </a:schemeClr>
+                </a:solidFill>
+              </a:rPr>
+              <a:t>directly responds to the external stimuli from its ambient environment and converts it into an output signal</a:t>
+            </a:r>
+            <a:r>
+              <a:rPr lang="en-US" dirty="0"/>
+              <a:t>. For example, a photodiode converts light into electrical impulses. </a:t>
             </a:r>
           </a:p>
           <a:p>
@@ -17616,7 +17660,31 @@
                   <a:srgbClr val="FFFF00"/>
                 </a:highlight>
               </a:rPr>
-              <a:t>The sensed properties are modulated with the sensor’s inherent characteristics to generate patterns in the output of the sensor</a:t>
+              <a:t>The sensed properties are </a:t>
+            </a:r>
+            <a:r>
+              <a:rPr lang="en-US" dirty="0">
+                <a:solidFill>
+                  <a:schemeClr val="accent6">
+                    <a:lumMod val="50000"/>
+                  </a:schemeClr>
+                </a:solidFill>
+                <a:highlight>
+                  <a:srgbClr val="FFFF00"/>
+                </a:highlight>
+              </a:rPr>
+              <a:t>modulated with the sensor’s </a:t>
+            </a:r>
+            <a:r>
+              <a:rPr lang="en-US" dirty="0">
+                <a:solidFill>
+                  <a:srgbClr val="FF0000"/>
+                </a:solidFill>
+                <a:highlight>
+                  <a:srgbClr val="FFFF00"/>
+                </a:highlight>
+              </a:rPr>
+              <a:t>inherent characteristics to generate patterns in the output of the sensor</a:t>
             </a:r>
             <a:r>
               <a:rPr lang="en-US" dirty="0"/>
@@ -18385,7 +18453,33 @@
             </a:r>
             <a:r>
               <a:rPr lang="en-US" dirty="0"/>
-              <a:t>: Scalar sensors produce an output proportional to the magnitude of the quantity being measured. The output is in the form of a signal or voltage. Scalar physical quantities are those where only the magnitude of the signal is sufficient for describing or characterizing the phenomenon and information generation. Examples of such measurable physical quantities include color, pressure, temperature, strain, and others. A thermometer or thermocouple is an example of a scalar sensor that has the ability to detect changes in ambient or object temperatures (depending on the sensor’s configuration). Factors such as changes in sensor orientation or direction do not affect these sensors (typically). </a:t>
+              <a:t>: Scalar sensors produce an output proportional to the magnitude of the quantity being measured. The output is in the form of a signal or voltage. Scalar physical quantities are those where only the magnitude of the signal is sufficient for describing or </a:t>
+            </a:r>
+            <a:r>
+              <a:rPr lang="en-US" dirty="0">
+                <a:solidFill>
+                  <a:srgbClr val="FF0000"/>
+                </a:solidFill>
+                <a:highlight>
+                  <a:srgbClr val="FFFF00"/>
+                </a:highlight>
+              </a:rPr>
+              <a:t>characterizing the phenomenon and information generation. </a:t>
+            </a:r>
+            <a:r>
+              <a:rPr lang="en-US" dirty="0"/>
+              <a:t>Examples of such measurable physical quantities include color, pressure, temperature, strain, and others. A thermometer or thermocouple is an example of a scalar sensor that has the ability to detect changes in ambient or object temperatures (depending on the sensor’s configuration). </a:t>
+            </a:r>
+            <a:r>
+              <a:rPr lang="en-US" dirty="0">
+                <a:solidFill>
+                  <a:srgbClr val="FF0000"/>
+                </a:solidFill>
+                <a:highlight>
+                  <a:srgbClr val="FFFF00"/>
+                </a:highlight>
+              </a:rPr>
+              <a:t>Factors such as changes in sensor orientation or direction do not affect these sensors (typically). </a:t>
             </a:r>
           </a:p>
           <a:p>
